--- a/resources/Prezentacja.pptx
+++ b/resources/Prezentacja.pptx
@@ -5501,11 +5501,17 @@
             <p:ph type="title"/>
           </p:nvPr>
         </p:nvSpPr>
-        <p:spPr/>
+        <p:spPr>
+          <a:xfrm>
+            <a:off x="1557908" y="609600"/>
+            <a:ext cx="9143538" cy="1066800"/>
+          </a:xfrm>
+        </p:spPr>
         <p:txBody>
           <a:bodyPr/>
           <a:lstStyle/>
           <a:p>
+            <a:pPr algn="ctr"/>
             <a:r>
               <a:rPr lang="pl-PL" dirty="0" smtClean="0"/>
               <a:t>Persony</a:t>
@@ -5524,23 +5530,346 @@
             <p:ph idx="1"/>
           </p:nvPr>
         </p:nvSpPr>
-        <p:spPr/>
+        <p:spPr>
+          <a:xfrm>
+            <a:off x="477788" y="1676400"/>
+            <a:ext cx="5688632" cy="4211216"/>
+          </a:xfrm>
+        </p:spPr>
         <p:txBody>
           <a:bodyPr/>
           <a:lstStyle/>
           <a:p>
+            <a:pPr marL="0" indent="0">
+              <a:buNone/>
+            </a:pPr>
             <a:r>
               <a:rPr lang="pl-PL" dirty="0" smtClean="0"/>
-              <a:t>Administrator zarządzający stroną</a:t>
+              <a:t>Imię: Janusz</a:t>
+            </a:r>
+          </a:p>
+          <a:p>
+            <a:pPr marL="0" indent="0">
+              <a:buNone/>
+            </a:pPr>
+            <a:r>
+              <a:rPr lang="pl-PL" dirty="0" smtClean="0"/>
+              <a:t>Lat: 40</a:t>
+            </a:r>
+            <a:endParaRPr lang="pl-PL" dirty="0" smtClean="0"/>
+          </a:p>
+          <a:p>
+            <a:pPr marL="0" indent="0">
+              <a:buNone/>
+            </a:pPr>
+            <a:r>
+              <a:rPr lang="pl-PL" dirty="0" smtClean="0"/>
+              <a:t>Zawód: Mechanik samochodowy</a:t>
+            </a:r>
+          </a:p>
+          <a:p>
+            <a:pPr marL="0" indent="0">
+              <a:buNone/>
+            </a:pPr>
+            <a:r>
+              <a:rPr lang="pl-PL" dirty="0" smtClean="0"/>
+              <a:t>Rola: Administrowanie stroną internetową </a:t>
+            </a:r>
+            <a:r>
+              <a:rPr lang="pl-PL" dirty="0" smtClean="0"/>
+              <a:t>warsztatu</a:t>
+            </a:r>
+          </a:p>
+          <a:p>
+            <a:pPr marL="0" indent="0">
+              <a:buNone/>
+            </a:pPr>
+            <a:r>
+              <a:rPr lang="pl-PL" dirty="0" smtClean="0"/>
+              <a:t>Umiejętości posługiwania się komputerem: Średnio-zaawansowane</a:t>
+            </a:r>
+          </a:p>
+        </p:txBody>
+      </p:sp>
+      <p:sp>
+        <p:nvSpPr>
+          <p:cNvPr id="4" name="Content Placeholder 13"/>
+          <p:cNvSpPr txBox="1">
+            <a:spLocks/>
+          </p:cNvSpPr>
+          <p:nvPr/>
+        </p:nvSpPr>
+        <p:spPr>
+          <a:xfrm>
+            <a:off x="6238428" y="1676400"/>
+            <a:ext cx="5688632" cy="4235478"/>
+          </a:xfrm>
+          <a:prstGeom prst="rect">
+            <a:avLst/>
+          </a:prstGeom>
+        </p:spPr>
+        <p:txBody>
+          <a:bodyPr vert="horz" lIns="91440" tIns="45720" rIns="91440" bIns="45720" rtlCol="0">
+            <a:normAutofit/>
+          </a:bodyPr>
+          <a:lstStyle>
+            <a:lvl1pPr marL="274320" indent="-274320" algn="l" defTabSz="914400" rtl="0" eaLnBrk="1" latinLnBrk="0" hangingPunct="1">
+              <a:lnSpc>
+                <a:spcPct val="90000"/>
+              </a:lnSpc>
+              <a:spcBef>
+                <a:spcPts val="1800"/>
+              </a:spcBef>
+              <a:buClr>
+                <a:schemeClr val="tx1"/>
+              </a:buClr>
+              <a:buSzPct val="100000"/>
+              <a:buFont typeface="Arial" pitchFamily="34" charset="0"/>
+              <a:buChar char="▪"/>
+              <a:defRPr sz="2400" kern="1200">
+                <a:solidFill>
+                  <a:schemeClr val="tx1"/>
+                </a:solidFill>
+                <a:latin typeface="+mn-lt"/>
+                <a:ea typeface="+mn-ea"/>
+                <a:cs typeface="+mn-cs"/>
+              </a:defRPr>
+            </a:lvl1pPr>
+            <a:lvl2pPr marL="548640" indent="-228600" algn="l" defTabSz="914400" rtl="0" eaLnBrk="1" latinLnBrk="0" hangingPunct="1">
+              <a:lnSpc>
+                <a:spcPct val="90000"/>
+              </a:lnSpc>
+              <a:spcBef>
+                <a:spcPts val="1000"/>
+              </a:spcBef>
+              <a:buClr>
+                <a:schemeClr val="tx1"/>
+              </a:buClr>
+              <a:buSzPct val="100000"/>
+              <a:buFont typeface="Arial" pitchFamily="34" charset="0"/>
+              <a:buChar char="–"/>
+              <a:defRPr sz="2000" kern="1200">
+                <a:solidFill>
+                  <a:schemeClr val="tx1"/>
+                </a:solidFill>
+                <a:latin typeface="+mn-lt"/>
+                <a:ea typeface="+mn-ea"/>
+                <a:cs typeface="+mn-cs"/>
+              </a:defRPr>
+            </a:lvl2pPr>
+            <a:lvl3pPr marL="822960" indent="-228600" algn="l" defTabSz="914400" rtl="0" eaLnBrk="1" latinLnBrk="0" hangingPunct="1">
+              <a:lnSpc>
+                <a:spcPct val="90000"/>
+              </a:lnSpc>
+              <a:spcBef>
+                <a:spcPts val="800"/>
+              </a:spcBef>
+              <a:buClr>
+                <a:schemeClr val="tx1"/>
+              </a:buClr>
+              <a:buSzPct val="100000"/>
+              <a:buFont typeface="Arial" pitchFamily="34" charset="0"/>
+              <a:buChar char="▪"/>
+              <a:defRPr sz="1800" kern="1200">
+                <a:solidFill>
+                  <a:schemeClr val="tx1"/>
+                </a:solidFill>
+                <a:latin typeface="+mn-lt"/>
+                <a:ea typeface="+mn-ea"/>
+                <a:cs typeface="+mn-cs"/>
+              </a:defRPr>
+            </a:lvl3pPr>
+            <a:lvl4pPr marL="1097280" indent="-228600" algn="l" defTabSz="914400" rtl="0" eaLnBrk="1" latinLnBrk="0" hangingPunct="1">
+              <a:lnSpc>
+                <a:spcPct val="90000"/>
+              </a:lnSpc>
+              <a:spcBef>
+                <a:spcPts val="800"/>
+              </a:spcBef>
+              <a:buClr>
+                <a:schemeClr val="tx1"/>
+              </a:buClr>
+              <a:buSzPct val="100000"/>
+              <a:buFont typeface="Arial" pitchFamily="34" charset="0"/>
+              <a:buChar char="–"/>
+              <a:defRPr sz="1600" kern="1200">
+                <a:solidFill>
+                  <a:schemeClr val="tx1"/>
+                </a:solidFill>
+                <a:latin typeface="+mn-lt"/>
+                <a:ea typeface="+mn-ea"/>
+                <a:cs typeface="+mn-cs"/>
+              </a:defRPr>
+            </a:lvl4pPr>
+            <a:lvl5pPr marL="1325880" indent="-228600" algn="l" defTabSz="914400" rtl="0" eaLnBrk="1" latinLnBrk="0" hangingPunct="1">
+              <a:lnSpc>
+                <a:spcPct val="90000"/>
+              </a:lnSpc>
+              <a:spcBef>
+                <a:spcPts val="800"/>
+              </a:spcBef>
+              <a:buClr>
+                <a:schemeClr val="tx1"/>
+              </a:buClr>
+              <a:buSzPct val="100000"/>
+              <a:buFont typeface="Arial" pitchFamily="34" charset="0"/>
+              <a:buChar char="▪"/>
+              <a:defRPr sz="1600" kern="1200">
+                <a:solidFill>
+                  <a:schemeClr val="tx1"/>
+                </a:solidFill>
+                <a:latin typeface="+mn-lt"/>
+                <a:ea typeface="+mn-ea"/>
+                <a:cs typeface="+mn-cs"/>
+              </a:defRPr>
+            </a:lvl5pPr>
+            <a:lvl6pPr marL="1554480" indent="-228600" algn="l" defTabSz="914400" rtl="0" eaLnBrk="1" latinLnBrk="0" hangingPunct="1">
+              <a:lnSpc>
+                <a:spcPct val="90000"/>
+              </a:lnSpc>
+              <a:spcBef>
+                <a:spcPts val="800"/>
+              </a:spcBef>
+              <a:buClr>
+                <a:schemeClr val="tx1"/>
+              </a:buClr>
+              <a:buSzPct val="100000"/>
+              <a:buFont typeface="Arial" pitchFamily="34" charset="0"/>
+              <a:buChar char="–"/>
+              <a:defRPr sz="1600" kern="1200">
+                <a:solidFill>
+                  <a:schemeClr val="tx1"/>
+                </a:solidFill>
+                <a:latin typeface="+mn-lt"/>
+                <a:ea typeface="+mn-ea"/>
+                <a:cs typeface="+mn-cs"/>
+              </a:defRPr>
+            </a:lvl6pPr>
+            <a:lvl7pPr marL="1783080" indent="-228600" algn="l" defTabSz="914400" rtl="0" eaLnBrk="1" latinLnBrk="0" hangingPunct="1">
+              <a:lnSpc>
+                <a:spcPct val="90000"/>
+              </a:lnSpc>
+              <a:spcBef>
+                <a:spcPts val="800"/>
+              </a:spcBef>
+              <a:buClr>
+                <a:schemeClr val="tx1"/>
+              </a:buClr>
+              <a:buSzPct val="100000"/>
+              <a:buFont typeface="Arial" pitchFamily="34" charset="0"/>
+              <a:buChar char="▪"/>
+              <a:defRPr sz="1600" kern="1200">
+                <a:solidFill>
+                  <a:schemeClr val="tx1"/>
+                </a:solidFill>
+                <a:latin typeface="+mn-lt"/>
+                <a:ea typeface="+mn-ea"/>
+                <a:cs typeface="+mn-cs"/>
+              </a:defRPr>
+            </a:lvl7pPr>
+            <a:lvl8pPr marL="2011680" indent="-228600" algn="l" defTabSz="914400" rtl="0" eaLnBrk="1" latinLnBrk="0" hangingPunct="1">
+              <a:lnSpc>
+                <a:spcPct val="90000"/>
+              </a:lnSpc>
+              <a:spcBef>
+                <a:spcPts val="800"/>
+              </a:spcBef>
+              <a:buClr>
+                <a:schemeClr val="tx1"/>
+              </a:buClr>
+              <a:buSzPct val="100000"/>
+              <a:buFont typeface="Arial" pitchFamily="34" charset="0"/>
+              <a:buChar char="–"/>
+              <a:defRPr sz="1600" kern="1200">
+                <a:solidFill>
+                  <a:schemeClr val="tx1"/>
+                </a:solidFill>
+                <a:latin typeface="+mn-lt"/>
+                <a:ea typeface="+mn-ea"/>
+                <a:cs typeface="+mn-cs"/>
+              </a:defRPr>
+            </a:lvl8pPr>
+            <a:lvl9pPr marL="2240280" indent="-228600" algn="l" defTabSz="914400" rtl="0" eaLnBrk="1" latinLnBrk="0" hangingPunct="1">
+              <a:lnSpc>
+                <a:spcPct val="90000"/>
+              </a:lnSpc>
+              <a:spcBef>
+                <a:spcPts val="800"/>
+              </a:spcBef>
+              <a:buClr>
+                <a:schemeClr val="tx1"/>
+              </a:buClr>
+              <a:buSzPct val="100000"/>
+              <a:buFont typeface="Arial" pitchFamily="34" charset="0"/>
+              <a:buChar char="▪"/>
+              <a:defRPr sz="1600" kern="1200">
+                <a:solidFill>
+                  <a:schemeClr val="tx1"/>
+                </a:solidFill>
+                <a:latin typeface="+mn-lt"/>
+                <a:ea typeface="+mn-ea"/>
+                <a:cs typeface="+mn-cs"/>
+              </a:defRPr>
+            </a:lvl9pPr>
+          </a:lstStyle>
+          <a:p>
+            <a:pPr marL="0" indent="0">
+              <a:buFont typeface="Arial" pitchFamily="34" charset="0"/>
+              <a:buNone/>
+            </a:pPr>
+            <a:r>
+              <a:rPr lang="pl-PL" dirty="0" smtClean="0"/>
+              <a:t>Imię: Mirek</a:t>
+            </a:r>
+          </a:p>
+          <a:p>
+            <a:pPr marL="0" indent="0">
+              <a:buFont typeface="Arial" pitchFamily="34" charset="0"/>
+              <a:buNone/>
+            </a:pPr>
+            <a:r>
+              <a:rPr lang="pl-PL" dirty="0" smtClean="0"/>
+              <a:t>Lat: 50</a:t>
+            </a:r>
+          </a:p>
+          <a:p>
+            <a:pPr marL="0" indent="0">
+              <a:buFont typeface="Arial" pitchFamily="34" charset="0"/>
+              <a:buNone/>
+            </a:pPr>
+            <a:r>
+              <a:rPr lang="pl-PL" dirty="0" smtClean="0"/>
+              <a:t>Zawód: Kierowca taksówki</a:t>
+            </a:r>
+          </a:p>
+          <a:p>
+            <a:pPr marL="0" indent="0">
+              <a:buFont typeface="Arial" pitchFamily="34" charset="0"/>
+              <a:buNone/>
+            </a:pPr>
+            <a:r>
+              <a:rPr lang="pl-PL" dirty="0" smtClean="0"/>
+              <a:t>Rola: Chęć skorzystańa z usług mechanika</a:t>
+            </a:r>
+          </a:p>
+          <a:p>
+            <a:pPr marL="0" indent="0">
+              <a:buFont typeface="Arial" pitchFamily="34" charset="0"/>
+              <a:buNone/>
+            </a:pPr>
+            <a:r>
+              <a:rPr lang="pl-PL" dirty="0" smtClean="0"/>
+              <a:t>Umiejętości </a:t>
+            </a:r>
+            <a:r>
+              <a:rPr lang="pl-PL" dirty="0"/>
+              <a:t>posługiwania się komputerem</a:t>
+            </a:r>
+            <a:r>
+              <a:rPr lang="pl-PL" dirty="0" smtClean="0"/>
+              <a:t>: Podstawowe</a:t>
             </a:r>
             <a:endParaRPr lang="en-US" dirty="0" smtClean="0"/>
-          </a:p>
-          <a:p>
-            <a:r>
-              <a:rPr lang="pl-PL" dirty="0" smtClean="0"/>
-              <a:t>Osoba chcąca skorzystać z usług warsztatu</a:t>
-            </a:r>
-            <a:endParaRPr lang="en-US" dirty="0"/>
           </a:p>
         </p:txBody>
       </p:sp>

--- a/resources/Prezentacja.pptx
+++ b/resources/Prezentacja.pptx
@@ -229,7 +229,7 @@
           <a:p>
             <a:fld id="{BEA74EB7-856E-45FD-83F0-5F7C6F3E4372}" type="datetimeFigureOut">
               <a:rPr lang="en-US"/>
-              <a:t>6/11/2016</a:t>
+              <a:t>6/12/2016</a:t>
             </a:fld>
             <a:endParaRPr/>
           </a:p>
@@ -394,7 +394,7 @@
           <a:p>
             <a:fld id="{C61B0E40-8125-41F8-BB6C-139D8D531A4F}" type="datetimeFigureOut">
               <a:rPr lang="en-US"/>
-              <a:t>6/11/2016</a:t>
+              <a:t>6/12/2016</a:t>
             </a:fld>
             <a:endParaRPr/>
           </a:p>
@@ -1216,7 +1216,7 @@
             <a:fld id="{8E36636D-D922-432D-A958-524484B5923D}" type="datetimeFigureOut">
               <a:rPr lang="en-US"/>
               <a:pPr/>
-              <a:t>6/11/2016</a:t>
+              <a:t>6/12/2016</a:t>
             </a:fld>
             <a:endParaRPr/>
           </a:p>
@@ -1423,7 +1423,7 @@
             <a:fld id="{8E36636D-D922-432D-A958-524484B5923D}" type="datetimeFigureOut">
               <a:rPr lang="en-US"/>
               <a:pPr/>
-              <a:t>6/11/2016</a:t>
+              <a:t>6/12/2016</a:t>
             </a:fld>
             <a:endParaRPr/>
           </a:p>
@@ -1640,7 +1640,7 @@
             <a:fld id="{8E36636D-D922-432D-A958-524484B5923D}" type="datetimeFigureOut">
               <a:rPr lang="en-US"/>
               <a:pPr/>
-              <a:t>6/11/2016</a:t>
+              <a:t>6/12/2016</a:t>
             </a:fld>
             <a:endParaRPr/>
           </a:p>
@@ -1837,7 +1837,7 @@
             <a:fld id="{8E36636D-D922-432D-A958-524484B5923D}" type="datetimeFigureOut">
               <a:rPr lang="en-US"/>
               <a:pPr/>
-              <a:t>6/11/2016</a:t>
+              <a:t>6/12/2016</a:t>
             </a:fld>
             <a:endParaRPr/>
           </a:p>
@@ -2117,7 +2117,7 @@
             <a:fld id="{8E36636D-D922-432D-A958-524484B5923D}" type="datetimeFigureOut">
               <a:rPr lang="en-US"/>
               <a:pPr/>
-              <a:t>6/11/2016</a:t>
+              <a:t>6/12/2016</a:t>
             </a:fld>
             <a:endParaRPr/>
           </a:p>
@@ -2446,7 +2446,7 @@
             <a:fld id="{8E36636D-D922-432D-A958-524484B5923D}" type="datetimeFigureOut">
               <a:rPr lang="en-US"/>
               <a:pPr/>
-              <a:t>6/11/2016</a:t>
+              <a:t>6/12/2016</a:t>
             </a:fld>
             <a:endParaRPr/>
           </a:p>
@@ -2903,7 +2903,7 @@
             <a:fld id="{8E36636D-D922-432D-A958-524484B5923D}" type="datetimeFigureOut">
               <a:rPr lang="en-US"/>
               <a:pPr/>
-              <a:t>6/11/2016</a:t>
+              <a:t>6/12/2016</a:t>
             </a:fld>
             <a:endParaRPr/>
           </a:p>
@@ -3042,7 +3042,7 @@
             <a:fld id="{8E36636D-D922-432D-A958-524484B5923D}" type="datetimeFigureOut">
               <a:rPr lang="en-US"/>
               <a:pPr/>
-              <a:t>6/11/2016</a:t>
+              <a:t>6/12/2016</a:t>
             </a:fld>
             <a:endParaRPr/>
           </a:p>
@@ -3311,7 +3311,7 @@
             <a:fld id="{8E36636D-D922-432D-A958-524484B5923D}" type="datetimeFigureOut">
               <a:rPr lang="en-US"/>
               <a:pPr/>
-              <a:t>6/11/2016</a:t>
+              <a:t>6/12/2016</a:t>
             </a:fld>
             <a:endParaRPr/>
           </a:p>
@@ -3665,7 +3665,7 @@
             <a:fld id="{8E36636D-D922-432D-A958-524484B5923D}" type="datetimeFigureOut">
               <a:rPr lang="en-US"/>
               <a:pPr/>
-              <a:t>6/11/2016</a:t>
+              <a:t>6/12/2016</a:t>
             </a:fld>
             <a:endParaRPr/>
           </a:p>
@@ -4007,7 +4007,7 @@
             <a:fld id="{8E36636D-D922-432D-A958-524484B5923D}" type="datetimeFigureOut">
               <a:rPr lang="en-US"/>
               <a:pPr/>
-              <a:t>6/11/2016</a:t>
+              <a:t>6/12/2016</a:t>
             </a:fld>
             <a:endParaRPr/>
           </a:p>
@@ -4545,7 +4545,7 @@
             <a:fld id="{8E36636D-D922-432D-A958-524484B5923D}" type="datetimeFigureOut">
               <a:rPr lang="en-US"/>
               <a:pPr/>
-              <a:t>6/11/2016</a:t>
+              <a:t>6/12/2016</a:t>
             </a:fld>
             <a:endParaRPr/>
           </a:p>
@@ -5556,7 +5556,6 @@
               <a:rPr lang="pl-PL" dirty="0" smtClean="0"/>
               <a:t>Lat: 40</a:t>
             </a:r>
-            <a:endParaRPr lang="pl-PL" dirty="0" smtClean="0"/>
           </a:p>
           <a:p>
             <a:pPr marL="0" indent="0">
@@ -5573,11 +5572,7 @@
             </a:pPr>
             <a:r>
               <a:rPr lang="pl-PL" dirty="0" smtClean="0"/>
-              <a:t>Rola: Administrowanie stroną internetową </a:t>
-            </a:r>
-            <a:r>
-              <a:rPr lang="pl-PL" dirty="0" smtClean="0"/>
-              <a:t>warsztatu</a:t>
+              <a:t>Rola: Administrowanie stroną internetową warsztatu</a:t>
             </a:r>
           </a:p>
           <a:p>
@@ -6080,23 +6075,33 @@
           <a:p>
             <a:r>
               <a:rPr lang="pl-PL" dirty="0" smtClean="0"/>
-              <a:t>Modyfikowanie cennika usług</a:t>
+              <a:t>Modyfikowanie </a:t>
+            </a:r>
+            <a:r>
+              <a:rPr lang="pl-PL" dirty="0" smtClean="0"/>
+              <a:t>cennika usług</a:t>
             </a:r>
             <a:endParaRPr lang="en-US" dirty="0" smtClean="0"/>
           </a:p>
           <a:p>
             <a:r>
               <a:rPr lang="pl-PL" dirty="0" smtClean="0"/>
-              <a:t>Podgląd i edycja kalendarza z terminami</a:t>
-            </a:r>
+              <a:t>Podgląd i edycja kalendarza </a:t>
+            </a:r>
+            <a:r>
+              <a:rPr lang="pl-PL" smtClean="0"/>
+              <a:t>z </a:t>
+            </a:r>
+            <a:r>
+              <a:rPr lang="pl-PL" smtClean="0"/>
+              <a:t>terminami</a:t>
+            </a:r>
+          </a:p>
+          <a:p>
+            <a:pPr marL="0" indent="0">
+              <a:buNone/>
+            </a:pPr>
             <a:endParaRPr lang="en-US" dirty="0" smtClean="0"/>
-          </a:p>
-          <a:p>
-            <a:r>
-              <a:rPr lang="pl-PL" dirty="0" smtClean="0"/>
-              <a:t>Zmiana jumbotrona</a:t>
-            </a:r>
-            <a:endParaRPr lang="en-US" dirty="0"/>
           </a:p>
         </p:txBody>
       </p:sp>
